--- a/docs/slides/Q2/Q2_HC.pptx
+++ b/docs/slides/Q2/Q2_HC.pptx
@@ -3886,7 +3886,7 @@
           <p:nvPr>
             <p:extLst>
               <p:ext uri="{D42A27DB-BD31-4B8C-83A1-F6EECF244321}">
-                <p14:modId xmlns:p14="http://schemas.microsoft.com/office/powerpoint/2010/main" val="2299939762"/>
+                <p14:modId xmlns:p14="http://schemas.microsoft.com/office/powerpoint/2010/main" val="3107551860"/>
               </p:ext>
             </p:extLst>
           </p:nvPr>
@@ -3916,14 +3916,14 @@
                     </a:ext>
                   </a:extLst>
                 </a:gridCol>
-                <a:gridCol w="1018572">
+                <a:gridCol w="1078357">
                   <a:extLst>
                     <a:ext uri="{9D8B030D-6E8A-4147-A177-3AD203B41FA5}">
                       <a16:colId xmlns:a16="http://schemas.microsoft.com/office/drawing/2014/main" val="1449071487"/>
                     </a:ext>
                   </a:extLst>
                 </a:gridCol>
-                <a:gridCol w="1574157">
+                <a:gridCol w="1514372">
                   <a:extLst>
                     <a:ext uri="{9D8B030D-6E8A-4147-A177-3AD203B41FA5}">
                       <a16:colId xmlns:a16="http://schemas.microsoft.com/office/drawing/2014/main" val="3948768524"/>
@@ -4235,15 +4235,15 @@
                     <a:p>
                       <a:r>
                         <a:rPr lang="en-US" sz="1400" i="1" dirty="0"/>
-                        <a:t>HBA1</a:t>
+                        <a:t>HBA1/2 </a:t>
                       </a:r>
                       <a:r>
                         <a:rPr lang="en-US" sz="1400" dirty="0"/>
-                        <a:t> and/or </a:t>
+                        <a:t>and/or </a:t>
                       </a:r>
                       <a:r>
                         <a:rPr lang="en-US" sz="1400" i="1" dirty="0"/>
-                        <a:t>HBA2</a:t>
+                        <a:t>HBB1/2</a:t>
                       </a:r>
                     </a:p>
                   </a:txBody>
@@ -4254,26 +4254,44 @@
                     <a:bodyPr/>
                     <a:lstStyle/>
                     <a:p>
+                      <a:pPr marL="0" marR="0" lvl="0" indent="0" algn="l" defTabSz="914400" rtl="0" eaLnBrk="1" fontAlgn="auto" latinLnBrk="0" hangingPunct="1">
+                        <a:lnSpc>
+                          <a:spcPct val="100000"/>
+                        </a:lnSpc>
+                        <a:spcBef>
+                          <a:spcPts val="0"/>
+                        </a:spcBef>
+                        <a:spcAft>
+                          <a:spcPts val="0"/>
+                        </a:spcAft>
+                        <a:buClrTx/>
+                        <a:buSzTx/>
+                        <a:buFontTx/>
+                        <a:buNone/>
+                        <a:tabLst/>
+                        <a:defRPr/>
+                      </a:pPr>
                       <a:r>
                         <a:rPr lang="en-US" sz="1400" dirty="0"/>
                         <a:t>Mutations in </a:t>
                       </a:r>
                       <a:r>
                         <a:rPr lang="en-US" sz="1400" i="1" dirty="0"/>
-                        <a:t>HBA1</a:t>
+                        <a:t>HBA1/2 </a:t>
                       </a:r>
                       <a:r>
                         <a:rPr lang="en-US" sz="1400" dirty="0"/>
-                        <a:t> and/or </a:t>
+                        <a:t>and/or </a:t>
                       </a:r>
                       <a:r>
                         <a:rPr lang="en-US" sz="1400" i="1" dirty="0"/>
-                        <a:t>HBA2</a:t>
+                        <a:t>HBB1/2 </a:t>
                       </a:r>
                       <a:r>
-                        <a:rPr lang="en-US" sz="1400" dirty="0"/>
-                        <a:t> gene</a:t>
+                        <a:rPr lang="en-US" altLang="zh-CN" sz="1400" i="1" dirty="0"/>
+                        <a:t>genes</a:t>
                       </a:r>
+                      <a:endParaRPr lang="en-US" sz="1400" i="1" dirty="0"/>
                     </a:p>
                   </a:txBody>
                   <a:tcPr/>
@@ -4786,7 +4804,7 @@
                           <a:ea typeface="+mn-ea"/>
                           <a:cs typeface="+mn-cs"/>
                         </a:rPr>
-                        <a:t>Spinal muscular atrophy</a:t>
+                        <a:t>Spinal muscular atrophy (SMA)</a:t>
                       </a:r>
                       <a:endParaRPr lang="en-US" sz="1400" dirty="0"/>
                     </a:p>
